--- a/Part_1_Resources_for_computational_modellers/4_Simulation_environments/2_Brian.pptx
+++ b/Part_1_Resources_for_computational_modellers/4_Simulation_environments/2_Brian.pptx
@@ -70,7 +70,7 @@
                 </a:uFill>
                 <a:latin typeface="Arial"/>
               </a:rPr>
-              <a:t>Click to edit the notes' format</a:t>
+              <a:t>Click to edit the notes format</a:t>
             </a:r>
             <a:endParaRPr b="0" lang="en-GB" sz="2000" spc="-1" strike="noStrike">
               <a:solidFill>
@@ -120,7 +120,7 @@
                 </a:uFill>
                 <a:latin typeface="Times New Roman"/>
               </a:rPr>
-              <a:t> </a:t>
+              <a:t>&lt;header&gt;</a:t>
             </a:r>
             <a:endParaRPr b="0" lang="en-GB" sz="1400" spc="-1" strike="noStrike">
               <a:solidFill>
@@ -171,7 +171,7 @@
                 </a:uFill>
                 <a:latin typeface="Times New Roman"/>
               </a:rPr>
-              <a:t> </a:t>
+              <a:t>&lt;date/time&gt;</a:t>
             </a:r>
             <a:endParaRPr b="0" lang="en-GB" sz="1400" spc="-1" strike="noStrike">
               <a:solidFill>
@@ -221,7 +221,7 @@
                 </a:uFill>
                 <a:latin typeface="Times New Roman"/>
               </a:rPr>
-              <a:t> </a:t>
+              <a:t>&lt;footer&gt;</a:t>
             </a:r>
             <a:endParaRPr b="0" lang="en-GB" sz="1400" spc="-1" strike="noStrike">
               <a:solidFill>
@@ -260,7 +260,7 @@
           <a:bodyPr lIns="0" rIns="0" tIns="0" bIns="0" anchor="b"/>
           <a:p>
             <a:pPr algn="r"/>
-            <a:fld id="{26794B97-F208-4571-A97A-44B2D90132AD}" type="slidenum">
+            <a:fld id="{2D17E6A7-74A4-4539-BA06-48EA1F60FC06}" type="slidenum">
               <a:rPr b="0" lang="en-GB" sz="1400" spc="-1" strike="noStrike">
                 <a:solidFill>
                   <a:srgbClr val="000000"/>
@@ -272,7 +272,7 @@
                 </a:uFill>
                 <a:latin typeface="Times New Roman"/>
               </a:rPr>
-              <a:t>1</a:t>
+              <a:t>&lt;number&gt;</a:t>
             </a:fld>
             <a:endParaRPr b="0" lang="en-GB" sz="1400" spc="-1" strike="noStrike">
               <a:solidFill>
@@ -320,7 +320,7 @@
         <p:spPr>
           <a:xfrm>
             <a:off x="4278240" y="10156680"/>
-            <a:ext cx="3277800" cy="531720"/>
+            <a:ext cx="3277440" cy="531360"/>
           </a:xfrm>
           <a:prstGeom prst="rect">
             <a:avLst/>
@@ -344,7 +344,7 @@
                 <a:spcPct val="100000"/>
               </a:lnSpc>
             </a:pPr>
-            <a:fld id="{D7DCF166-60BF-446F-A64B-482B8D0C03E3}" type="slidenum">
+            <a:fld id="{05315196-D88F-49BF-81E0-A1AC1924AB91}" type="slidenum">
               <a:rPr b="0" lang="en-GB" sz="1400" spc="-1" strike="noStrike">
                 <a:solidFill>
                   <a:srgbClr val="000000"/>
@@ -357,7 +357,7 @@
                 <a:latin typeface="Times New Roman"/>
                 <a:ea typeface="DejaVu Sans"/>
               </a:rPr>
-              <a:t>1</a:t>
+              <a:t>&lt;number&gt;</a:t>
             </a:fld>
             <a:endParaRPr b="0" lang="en-GB" sz="1800" spc="-1" strike="noStrike">
               <a:solidFill>
@@ -386,7 +386,7 @@
         <p:spPr>
           <a:xfrm>
             <a:off x="755640" y="5078520"/>
-            <a:ext cx="6046560" cy="4809960"/>
+            <a:ext cx="6046200" cy="4809600"/>
           </a:xfrm>
           <a:prstGeom prst="rect">
             <a:avLst/>
@@ -440,7 +440,7 @@
         <p:spPr>
           <a:xfrm>
             <a:off x="4278240" y="10156680"/>
-            <a:ext cx="3277800" cy="531720"/>
+            <a:ext cx="3277440" cy="531360"/>
           </a:xfrm>
           <a:prstGeom prst="rect">
             <a:avLst/>
@@ -464,7 +464,7 @@
                 <a:spcPct val="100000"/>
               </a:lnSpc>
             </a:pPr>
-            <a:fld id="{1DB58AE2-A72F-4769-85FC-CE87C0B2C2C2}" type="slidenum">
+            <a:fld id="{11087445-2DE3-426E-A4EF-DD0B84E91146}" type="slidenum">
               <a:rPr b="0" lang="en-GB" sz="1400" spc="-1" strike="noStrike">
                 <a:solidFill>
                   <a:srgbClr val="000000"/>
@@ -477,7 +477,7 @@
                 <a:latin typeface="Times New Roman"/>
                 <a:ea typeface="DejaVu Sans"/>
               </a:rPr>
-              <a:t>1</a:t>
+              <a:t>&lt;number&gt;</a:t>
             </a:fld>
             <a:endParaRPr b="0" lang="en-GB" sz="1800" spc="-1" strike="noStrike">
               <a:solidFill>
@@ -506,7 +506,7 @@
         <p:spPr>
           <a:xfrm>
             <a:off x="755640" y="5078520"/>
-            <a:ext cx="6046560" cy="4809960"/>
+            <a:ext cx="6046200" cy="4809600"/>
           </a:xfrm>
           <a:prstGeom prst="rect">
             <a:avLst/>
@@ -560,7 +560,7 @@
         <p:spPr>
           <a:xfrm>
             <a:off x="4278240" y="10156680"/>
-            <a:ext cx="3277800" cy="531720"/>
+            <a:ext cx="3277440" cy="531360"/>
           </a:xfrm>
           <a:prstGeom prst="rect">
             <a:avLst/>
@@ -584,7 +584,7 @@
                 <a:spcPct val="100000"/>
               </a:lnSpc>
             </a:pPr>
-            <a:fld id="{6AACAC35-D966-4C9C-9534-1566D49909A1}" type="slidenum">
+            <a:fld id="{14765B42-DAE0-43E8-9BDF-1803A234E8D9}" type="slidenum">
               <a:rPr b="0" lang="en-GB" sz="1400" spc="-1" strike="noStrike">
                 <a:solidFill>
                   <a:srgbClr val="000000"/>
@@ -597,7 +597,7 @@
                 <a:latin typeface="Times New Roman"/>
                 <a:ea typeface="DejaVu Sans"/>
               </a:rPr>
-              <a:t>1</a:t>
+              <a:t>&lt;number&gt;</a:t>
             </a:fld>
             <a:endParaRPr b="0" lang="en-GB" sz="1800" spc="-1" strike="noStrike">
               <a:solidFill>
@@ -626,7 +626,7 @@
         <p:spPr>
           <a:xfrm>
             <a:off x="755640" y="5078520"/>
-            <a:ext cx="6046560" cy="4809960"/>
+            <a:ext cx="6046200" cy="4809600"/>
           </a:xfrm>
           <a:prstGeom prst="rect">
             <a:avLst/>
@@ -680,7 +680,7 @@
         <p:spPr>
           <a:xfrm>
             <a:off x="4278240" y="10156680"/>
-            <a:ext cx="3277800" cy="531720"/>
+            <a:ext cx="3277440" cy="531360"/>
           </a:xfrm>
           <a:prstGeom prst="rect">
             <a:avLst/>
@@ -704,7 +704,7 @@
                 <a:spcPct val="100000"/>
               </a:lnSpc>
             </a:pPr>
-            <a:fld id="{01F32B11-219C-48BA-9E5B-751468E25381}" type="slidenum">
+            <a:fld id="{4D5C8005-FBA4-41AA-885D-503F1F207F7E}" type="slidenum">
               <a:rPr b="0" lang="en-GB" sz="1400" spc="-1" strike="noStrike">
                 <a:solidFill>
                   <a:srgbClr val="000000"/>
@@ -746,7 +746,7 @@
         <p:spPr>
           <a:xfrm>
             <a:off x="755640" y="5078520"/>
-            <a:ext cx="6046560" cy="4809960"/>
+            <a:ext cx="6046200" cy="4809600"/>
           </a:xfrm>
           <a:prstGeom prst="rect">
             <a:avLst/>
@@ -4474,7 +4474,7 @@
         <p:spPr>
           <a:xfrm>
             <a:off x="503280" y="1474920"/>
-            <a:ext cx="9069120" cy="1260360"/>
+            <a:ext cx="9068760" cy="1260000"/>
           </a:xfrm>
           <a:prstGeom prst="rect">
             <a:avLst/>
@@ -4536,7 +4536,7 @@
         <p:spPr>
           <a:xfrm>
             <a:off x="503280" y="3059280"/>
-            <a:ext cx="9069120" cy="647640"/>
+            <a:ext cx="9068760" cy="647280"/>
           </a:xfrm>
           <a:prstGeom prst="rect">
             <a:avLst/>
@@ -4572,6 +4572,7 @@
                 </a:uFill>
                 <a:latin typeface="Arial"/>
                 <a:ea typeface="Noto Sans CJK SC Regular"/>
+                <a:hlinkClick r:id="rId1"/>
               </a:rPr>
               <a:t>http://briansimulator.org</a:t>
             </a:r>
@@ -4598,7 +4599,7 @@
         <p:spPr>
           <a:xfrm>
             <a:off x="216000" y="7020000"/>
-            <a:ext cx="2877840" cy="394920"/>
+            <a:ext cx="2877480" cy="394560"/>
           </a:xfrm>
           <a:prstGeom prst="rect">
             <a:avLst/>
@@ -4660,7 +4661,7 @@
         <p:spPr>
           <a:xfrm>
             <a:off x="1295280" y="4932360"/>
-            <a:ext cx="7486560" cy="1249200"/>
+            <a:ext cx="7486200" cy="1248840"/>
           </a:xfrm>
           <a:prstGeom prst="rect">
             <a:avLst/>
@@ -4750,7 +4751,7 @@
         <p:spPr>
           <a:xfrm>
             <a:off x="6696000" y="7020000"/>
-            <a:ext cx="3166920" cy="394920"/>
+            <a:ext cx="3166560" cy="394560"/>
           </a:xfrm>
           <a:prstGeom prst="rect">
             <a:avLst/>
@@ -4861,7 +4862,7 @@
         <p:spPr>
           <a:xfrm>
             <a:off x="739800" y="693720"/>
-            <a:ext cx="8418240" cy="1249200"/>
+            <a:ext cx="8417880" cy="1248840"/>
           </a:xfrm>
           <a:prstGeom prst="rect">
             <a:avLst/>
@@ -4927,7 +4928,7 @@
         <p:spPr>
           <a:xfrm>
             <a:off x="5016960" y="1862640"/>
-            <a:ext cx="4471560" cy="3384360"/>
+            <a:ext cx="4471200" cy="3384000"/>
           </a:xfrm>
           <a:prstGeom prst="rect">
             <a:avLst/>
@@ -4950,7 +4951,7 @@
         <p:spPr>
           <a:xfrm>
             <a:off x="824040" y="1622160"/>
-            <a:ext cx="4087440" cy="3643200"/>
+            <a:ext cx="4087080" cy="3642840"/>
           </a:xfrm>
           <a:prstGeom prst="rect">
             <a:avLst/>
@@ -4969,7 +4970,7 @@
         <p:spPr>
           <a:xfrm>
             <a:off x="739800" y="5733720"/>
-            <a:ext cx="8418240" cy="1249200"/>
+            <a:ext cx="8417880" cy="1248840"/>
           </a:xfrm>
           <a:prstGeom prst="rect">
             <a:avLst/>
@@ -5110,7 +5111,7 @@
         <p:spPr>
           <a:xfrm>
             <a:off x="739800" y="621720"/>
-            <a:ext cx="8795160" cy="468000"/>
+            <a:ext cx="8794800" cy="467640"/>
           </a:xfrm>
           <a:prstGeom prst="rect">
             <a:avLst/>
@@ -5195,7 +5196,7 @@
         <p:spPr>
           <a:xfrm>
             <a:off x="2461320" y="1389240"/>
-            <a:ext cx="6256800" cy="1429920"/>
+            <a:ext cx="6256440" cy="1429560"/>
           </a:xfrm>
           <a:prstGeom prst="rect">
             <a:avLst/>
@@ -5218,7 +5219,7 @@
         <p:spPr>
           <a:xfrm>
             <a:off x="594000" y="1206720"/>
-            <a:ext cx="1837440" cy="1837440"/>
+            <a:ext cx="1837080" cy="1837080"/>
           </a:xfrm>
           <a:prstGeom prst="rect">
             <a:avLst/>
@@ -5241,7 +5242,7 @@
         <p:spPr>
           <a:xfrm>
             <a:off x="520200" y="3441240"/>
-            <a:ext cx="1837440" cy="1837440"/>
+            <a:ext cx="1837080" cy="1837080"/>
           </a:xfrm>
           <a:prstGeom prst="rect">
             <a:avLst/>
@@ -5264,7 +5265,7 @@
         <p:spPr>
           <a:xfrm>
             <a:off x="2434680" y="3668400"/>
-            <a:ext cx="6996240" cy="1522440"/>
+            <a:ext cx="6995880" cy="1522080"/>
           </a:xfrm>
           <a:prstGeom prst="rect">
             <a:avLst/>
@@ -5283,7 +5284,7 @@
         <p:spPr>
           <a:xfrm>
             <a:off x="739800" y="981720"/>
-            <a:ext cx="8795160" cy="468000"/>
+            <a:ext cx="8794800" cy="467640"/>
           </a:xfrm>
           <a:prstGeom prst="rect">
             <a:avLst/>
@@ -5363,7 +5364,7 @@
         <p:spPr>
           <a:xfrm>
             <a:off x="739800" y="3069720"/>
-            <a:ext cx="8795160" cy="468000"/>
+            <a:ext cx="8794800" cy="467640"/>
           </a:xfrm>
           <a:prstGeom prst="rect">
             <a:avLst/>
@@ -5443,7 +5444,7 @@
         <p:spPr>
           <a:xfrm>
             <a:off x="739800" y="5301720"/>
-            <a:ext cx="8795160" cy="468000"/>
+            <a:ext cx="8794800" cy="467640"/>
           </a:xfrm>
           <a:prstGeom prst="rect">
             <a:avLst/>
@@ -5876,7 +5877,7 @@
         <p:spPr>
           <a:xfrm>
             <a:off x="2393640" y="1395000"/>
-            <a:ext cx="6171120" cy="1401120"/>
+            <a:ext cx="6170760" cy="1400760"/>
           </a:xfrm>
           <a:prstGeom prst="rect">
             <a:avLst/>
@@ -5899,7 +5900,7 @@
         <p:spPr>
           <a:xfrm>
             <a:off x="2435760" y="1379160"/>
-            <a:ext cx="6158880" cy="1332720"/>
+            <a:ext cx="6158520" cy="1332360"/>
           </a:xfrm>
           <a:prstGeom prst="rect">
             <a:avLst/>
@@ -5967,7 +5968,7 @@
         <p:spPr>
           <a:xfrm>
             <a:off x="739800" y="693720"/>
-            <a:ext cx="8517960" cy="3423960"/>
+            <a:ext cx="8517600" cy="3423600"/>
           </a:xfrm>
           <a:prstGeom prst="rect">
             <a:avLst/>
